--- a/Phs5_Group6_dsf-pt7 - capstone_Project_Presentation.pptx
+++ b/Phs5_Group6_dsf-pt7 - capstone_Project_Presentation.pptx
@@ -12,7 +12,7 @@
     <p:sldId id="260" r:id="rId6"/>
     <p:sldId id="261" r:id="rId7"/>
     <p:sldId id="262" r:id="rId8"/>
-    <p:sldId id="263" r:id="rId9"/>
+    <p:sldId id="269" r:id="rId9"/>
     <p:sldId id="264" r:id="rId10"/>
     <p:sldId id="265" r:id="rId11"/>
     <p:sldId id="266" r:id="rId12"/>
@@ -15502,7 +15502,7 @@
         </p:nvSpPr>
         <p:spPr>
           <a:xfrm>
-            <a:off x="-549374" y="9379282"/>
+            <a:off x="27587" y="9495418"/>
             <a:ext cx="4754711" cy="907718"/>
           </a:xfrm>
           <a:custGeom>
@@ -15566,7 +15566,7 @@
         </p:nvSpPr>
         <p:spPr>
           <a:xfrm>
-            <a:off x="1081384" y="749699"/>
+            <a:off x="1028700" y="895350"/>
             <a:ext cx="15488233" cy="1170512"/>
           </a:xfrm>
           <a:prstGeom prst="rect">
@@ -15588,7 +15588,7 @@
               </a:spcBef>
             </a:pPr>
             <a:r>
-              <a:rPr lang="en-US" sz="4993" dirty="0">
+              <a:rPr lang="en-US" sz="4993">
                 <a:solidFill>
                   <a:srgbClr val="1867BE"/>
                 </a:solidFill>
@@ -15610,8 +15610,8 @@
         </p:nvSpPr>
         <p:spPr>
           <a:xfrm>
-            <a:off x="13866618" y="-98093"/>
-            <a:ext cx="4314608" cy="800771"/>
+            <a:off x="13533289" y="-68935"/>
+            <a:ext cx="4754711" cy="907718"/>
           </a:xfrm>
           <a:custGeom>
             <a:avLst/>
@@ -16190,7 +16190,7 @@
         </p:nvGrpSpPr>
         <p:grpSpPr>
           <a:xfrm>
-            <a:off x="4524522" y="2529767"/>
+            <a:off x="4524522" y="2566041"/>
             <a:ext cx="4218816" cy="1101073"/>
             <a:chOff x="0" y="0"/>
             <a:chExt cx="812800" cy="212133"/>
@@ -17207,7 +17207,7 @@
         </p:nvGrpSpPr>
         <p:grpSpPr>
           <a:xfrm>
-            <a:off x="9253403" y="7771633"/>
+            <a:off x="12416476" y="7655253"/>
             <a:ext cx="4510434" cy="2362354"/>
             <a:chOff x="0" y="0"/>
             <a:chExt cx="812800" cy="425707"/>
@@ -17304,7 +17304,7 @@
         </p:nvGrpSpPr>
         <p:grpSpPr>
           <a:xfrm>
-            <a:off x="9253403" y="6361407"/>
+            <a:off x="12416476" y="6245028"/>
             <a:ext cx="4510434" cy="1177182"/>
             <a:chOff x="0" y="0"/>
             <a:chExt cx="812800" cy="212133"/>
@@ -17401,7 +17401,7 @@
         </p:nvSpPr>
         <p:spPr>
           <a:xfrm>
-            <a:off x="9376109" y="7832123"/>
+            <a:off x="12539182" y="7715744"/>
             <a:ext cx="4387729" cy="2301863"/>
           </a:xfrm>
           <a:prstGeom prst="rect">
@@ -17458,7 +17458,7 @@
         </p:nvSpPr>
         <p:spPr>
           <a:xfrm>
-            <a:off x="9314756" y="6498708"/>
+            <a:off x="12477829" y="6382328"/>
             <a:ext cx="4387729" cy="1424153"/>
           </a:xfrm>
           <a:prstGeom prst="rect">
@@ -17518,7 +17518,7 @@
         </p:nvGrpSpPr>
         <p:grpSpPr>
           <a:xfrm>
-            <a:off x="4160206" y="7771633"/>
+            <a:off x="7265892" y="7579368"/>
             <a:ext cx="4510434" cy="2362354"/>
             <a:chOff x="0" y="0"/>
             <a:chExt cx="812800" cy="425707"/>
@@ -17615,7 +17615,7 @@
         </p:nvGrpSpPr>
         <p:grpSpPr>
           <a:xfrm>
-            <a:off x="4160206" y="6361407"/>
+            <a:off x="7265892" y="6169143"/>
             <a:ext cx="4510434" cy="1177182"/>
             <a:chOff x="0" y="0"/>
             <a:chExt cx="812800" cy="212133"/>
@@ -17712,7 +17712,7 @@
         </p:nvSpPr>
         <p:spPr>
           <a:xfrm>
-            <a:off x="4282911" y="7832123"/>
+            <a:off x="7388598" y="7639859"/>
             <a:ext cx="4387729" cy="1975994"/>
           </a:xfrm>
           <a:prstGeom prst="rect">
@@ -17769,7 +17769,7 @@
         </p:nvSpPr>
         <p:spPr>
           <a:xfrm>
-            <a:off x="4282911" y="6498708"/>
+            <a:off x="7388598" y="6306443"/>
             <a:ext cx="4387729" cy="1424153"/>
           </a:xfrm>
           <a:prstGeom prst="rect">
@@ -17829,7 +17829,7 @@
         </p:nvSpPr>
         <p:spPr>
           <a:xfrm rot="10220311">
-            <a:off x="13382563" y="6067886"/>
+            <a:off x="16610320" y="6111814"/>
             <a:ext cx="1310301" cy="957711"/>
           </a:xfrm>
           <a:custGeom>
@@ -17844,10 +17844,10 @@
                   <a:pt x="0" y="0"/>
                 </a:moveTo>
                 <a:lnTo>
-                  <a:pt x="1310300" y="0"/>
-                </a:lnTo>
-                <a:lnTo>
-                  <a:pt x="1310300" y="957710"/>
+                  <a:pt x="1310301" y="0"/>
+                </a:lnTo>
+                <a:lnTo>
+                  <a:pt x="1310301" y="957710"/>
                 </a:lnTo>
                 <a:lnTo>
                   <a:pt x="0" y="957710"/>
@@ -17888,7 +17888,7 @@
         </p:nvSpPr>
         <p:spPr>
           <a:xfrm rot="10518575">
-            <a:off x="8366130" y="6583180"/>
+            <a:off x="11594522" y="6416897"/>
             <a:ext cx="918743" cy="671518"/>
           </a:xfrm>
           <a:custGeom>
@@ -17903,13 +17903,351 @@
                   <a:pt x="0" y="0"/>
                 </a:moveTo>
                 <a:lnTo>
-                  <a:pt x="918742" y="0"/>
-                </a:lnTo>
-                <a:lnTo>
-                  <a:pt x="918742" y="671518"/>
-                </a:lnTo>
-                <a:lnTo>
-                  <a:pt x="0" y="671518"/>
+                  <a:pt x="918743" y="0"/>
+                </a:lnTo>
+                <a:lnTo>
+                  <a:pt x="918743" y="671517"/>
+                </a:lnTo>
+                <a:lnTo>
+                  <a:pt x="0" y="671517"/>
+                </a:lnTo>
+                <a:lnTo>
+                  <a:pt x="0" y="0"/>
+                </a:lnTo>
+                <a:close/>
+              </a:path>
+            </a:pathLst>
+          </a:custGeom>
+          <a:blipFill>
+            <a:blip r:embed="rId9">
+              <a:extLst>
+                <a:ext uri="{96DAC541-7B7A-43D3-8B79-37D633B846F1}">
+                  <asvg:svgBlip xmlns:asvg="http://schemas.microsoft.com/office/drawing/2016/SVG/main" r:embed="rId10"/>
+                </a:ext>
+              </a:extLst>
+            </a:blip>
+            <a:stretch>
+              <a:fillRect/>
+            </a:stretch>
+          </a:blipFill>
+        </p:spPr>
+        <p:txBody>
+          <a:bodyPr/>
+          <a:lstStyle/>
+          <a:p>
+            <a:endParaRPr lang="en-KE"/>
+          </a:p>
+        </p:txBody>
+      </p:sp>
+      <p:grpSp>
+        <p:nvGrpSpPr>
+          <p:cNvPr id="63" name="Group 63"/>
+          <p:cNvGrpSpPr/>
+          <p:nvPr/>
+        </p:nvGrpSpPr>
+        <p:grpSpPr>
+          <a:xfrm>
+            <a:off x="387765" y="7640468"/>
+            <a:ext cx="6237977" cy="2362354"/>
+            <a:chOff x="0" y="0"/>
+            <a:chExt cx="1124111" cy="425707"/>
+          </a:xfrm>
+        </p:grpSpPr>
+        <p:sp>
+          <p:nvSpPr>
+            <p:cNvPr id="64" name="Freeform 64"/>
+            <p:cNvSpPr/>
+            <p:nvPr/>
+          </p:nvSpPr>
+          <p:spPr>
+            <a:xfrm>
+              <a:off x="0" y="0"/>
+              <a:ext cx="1124111" cy="425707"/>
+            </a:xfrm>
+            <a:custGeom>
+              <a:avLst/>
+              <a:gdLst/>
+              <a:ahLst/>
+              <a:cxnLst/>
+              <a:rect l="l" t="t" r="r" b="b"/>
+              <a:pathLst>
+                <a:path w="1124111" h="425707">
+                  <a:moveTo>
+                    <a:pt x="0" y="0"/>
+                  </a:moveTo>
+                  <a:lnTo>
+                    <a:pt x="1124111" y="0"/>
+                  </a:lnTo>
+                  <a:lnTo>
+                    <a:pt x="1124111" y="425707"/>
+                  </a:lnTo>
+                  <a:lnTo>
+                    <a:pt x="0" y="425707"/>
+                  </a:lnTo>
+                  <a:close/>
+                </a:path>
+              </a:pathLst>
+            </a:custGeom>
+            <a:solidFill>
+              <a:srgbClr val="FCDCFF"/>
+            </a:solidFill>
+            <a:ln w="38100" cap="sq">
+              <a:solidFill>
+                <a:srgbClr val="000000"/>
+              </a:solidFill>
+              <a:prstDash val="solid"/>
+              <a:miter/>
+            </a:ln>
+          </p:spPr>
+          <p:txBody>
+            <a:bodyPr/>
+            <a:lstStyle/>
+            <a:p>
+              <a:endParaRPr lang="en-KE"/>
+            </a:p>
+          </p:txBody>
+        </p:sp>
+        <p:sp>
+          <p:nvSpPr>
+            <p:cNvPr id="65" name="TextBox 65"/>
+            <p:cNvSpPr txBox="1"/>
+            <p:nvPr/>
+          </p:nvSpPr>
+          <p:spPr>
+            <a:xfrm>
+              <a:off x="0" y="-38100"/>
+              <a:ext cx="1124111" cy="463807"/>
+            </a:xfrm>
+            <a:prstGeom prst="rect">
+              <a:avLst/>
+            </a:prstGeom>
+          </p:spPr>
+          <p:txBody>
+            <a:bodyPr lIns="50800" tIns="50800" rIns="50800" bIns="50800" rtlCol="0" anchor="ctr"/>
+            <a:lstStyle/>
+            <a:p>
+              <a:pPr algn="ctr">
+                <a:lnSpc>
+                  <a:spcPts val="2659"/>
+                </a:lnSpc>
+              </a:pPr>
+              <a:endParaRPr/>
+            </a:p>
+          </p:txBody>
+        </p:sp>
+      </p:grpSp>
+      <p:grpSp>
+        <p:nvGrpSpPr>
+          <p:cNvPr id="66" name="Group 66"/>
+          <p:cNvGrpSpPr/>
+          <p:nvPr/>
+        </p:nvGrpSpPr>
+        <p:grpSpPr>
+          <a:xfrm>
+            <a:off x="387765" y="6230243"/>
+            <a:ext cx="6237977" cy="1177182"/>
+            <a:chOff x="0" y="0"/>
+            <a:chExt cx="1124111" cy="212133"/>
+          </a:xfrm>
+        </p:grpSpPr>
+        <p:sp>
+          <p:nvSpPr>
+            <p:cNvPr id="67" name="Freeform 67"/>
+            <p:cNvSpPr/>
+            <p:nvPr/>
+          </p:nvSpPr>
+          <p:spPr>
+            <a:xfrm>
+              <a:off x="0" y="0"/>
+              <a:ext cx="1124111" cy="212133"/>
+            </a:xfrm>
+            <a:custGeom>
+              <a:avLst/>
+              <a:gdLst/>
+              <a:ahLst/>
+              <a:cxnLst/>
+              <a:rect l="l" t="t" r="r" b="b"/>
+              <a:pathLst>
+                <a:path w="1124111" h="212133">
+                  <a:moveTo>
+                    <a:pt x="0" y="0"/>
+                  </a:moveTo>
+                  <a:lnTo>
+                    <a:pt x="1124111" y="0"/>
+                  </a:lnTo>
+                  <a:lnTo>
+                    <a:pt x="1124111" y="212133"/>
+                  </a:lnTo>
+                  <a:lnTo>
+                    <a:pt x="0" y="212133"/>
+                  </a:lnTo>
+                  <a:close/>
+                </a:path>
+              </a:pathLst>
+            </a:custGeom>
+            <a:solidFill>
+              <a:srgbClr val="FFF39B"/>
+            </a:solidFill>
+            <a:ln w="38100" cap="sq">
+              <a:solidFill>
+                <a:srgbClr val="000000"/>
+              </a:solidFill>
+              <a:prstDash val="solid"/>
+              <a:miter/>
+            </a:ln>
+          </p:spPr>
+          <p:txBody>
+            <a:bodyPr/>
+            <a:lstStyle/>
+            <a:p>
+              <a:endParaRPr lang="en-KE"/>
+            </a:p>
+          </p:txBody>
+        </p:sp>
+        <p:sp>
+          <p:nvSpPr>
+            <p:cNvPr id="68" name="TextBox 68"/>
+            <p:cNvSpPr txBox="1"/>
+            <p:nvPr/>
+          </p:nvSpPr>
+          <p:spPr>
+            <a:xfrm>
+              <a:off x="0" y="-38100"/>
+              <a:ext cx="1124111" cy="250233"/>
+            </a:xfrm>
+            <a:prstGeom prst="rect">
+              <a:avLst/>
+            </a:prstGeom>
+          </p:spPr>
+          <p:txBody>
+            <a:bodyPr lIns="50800" tIns="50800" rIns="50800" bIns="50800" rtlCol="0" anchor="ctr"/>
+            <a:lstStyle/>
+            <a:p>
+              <a:pPr algn="ctr">
+                <a:lnSpc>
+                  <a:spcPts val="2659"/>
+                </a:lnSpc>
+              </a:pPr>
+              <a:endParaRPr/>
+            </a:p>
+          </p:txBody>
+        </p:sp>
+      </p:grpSp>
+      <p:sp>
+        <p:nvSpPr>
+          <p:cNvPr id="69" name="TextBox 69"/>
+          <p:cNvSpPr txBox="1"/>
+          <p:nvPr/>
+        </p:nvSpPr>
+        <p:spPr>
+          <a:xfrm>
+            <a:off x="591968" y="7710484"/>
+            <a:ext cx="6033775" cy="2293447"/>
+          </a:xfrm>
+          <a:prstGeom prst="rect">
+            <a:avLst/>
+          </a:prstGeom>
+        </p:spPr>
+        <p:txBody>
+          <a:bodyPr lIns="0" tIns="0" rIns="0" bIns="0" rtlCol="0" anchor="t">
+            <a:spAutoFit/>
+          </a:bodyPr>
+          <a:lstStyle/>
+          <a:p>
+            <a:pPr marL="0" lvl="0" indent="0" algn="l">
+              <a:lnSpc>
+                <a:spcPts val="2295"/>
+              </a:lnSpc>
+            </a:pPr>
+            <a:r>
+              <a:rPr lang="en-US" sz="2086" spc="62">
+                <a:solidFill>
+                  <a:srgbClr val="000000"/>
+                </a:solidFill>
+                <a:latin typeface="Hero Bold"/>
+                <a:ea typeface="Hero Bold"/>
+                <a:cs typeface="Hero Bold"/>
+                <a:sym typeface="Hero Bold"/>
+              </a:rPr>
+              <a:t>deployment provides an efficient, user-focused platform for automatic complaint classification, reducing customer frustration and improving response times. The BERT model's strong language processing capabilities ensure accurate classifications, making this solution a responsive and effective complaint management tool.</a:t>
+            </a:r>
+          </a:p>
+        </p:txBody>
+      </p:sp>
+      <p:sp>
+        <p:nvSpPr>
+          <p:cNvPr id="70" name="TextBox 70"/>
+          <p:cNvSpPr txBox="1"/>
+          <p:nvPr/>
+        </p:nvSpPr>
+        <p:spPr>
+          <a:xfrm>
+            <a:off x="522217" y="6303058"/>
+            <a:ext cx="5969074" cy="1080582"/>
+          </a:xfrm>
+          <a:prstGeom prst="rect">
+            <a:avLst/>
+          </a:prstGeom>
+        </p:spPr>
+        <p:txBody>
+          <a:bodyPr lIns="0" tIns="0" rIns="0" bIns="0" rtlCol="0" anchor="t">
+            <a:spAutoFit/>
+          </a:bodyPr>
+          <a:lstStyle/>
+          <a:p>
+            <a:pPr marL="0" lvl="1" indent="0" algn="ctr">
+              <a:lnSpc>
+                <a:spcPts val="3674"/>
+              </a:lnSpc>
+              <a:spcBef>
+                <a:spcPct val="0"/>
+              </a:spcBef>
+            </a:pPr>
+            <a:r>
+              <a:rPr lang="en-US" sz="4593" spc="206">
+                <a:solidFill>
+                  <a:srgbClr val="000000"/>
+                </a:solidFill>
+                <a:latin typeface="Cranberry"/>
+                <a:ea typeface="Cranberry"/>
+                <a:cs typeface="Cranberry"/>
+                <a:sym typeface="Cranberry"/>
+              </a:rPr>
+              <a:t>Model Deployment &amp; Application</a:t>
+            </a:r>
+          </a:p>
+        </p:txBody>
+      </p:sp>
+      <p:sp>
+        <p:nvSpPr>
+          <p:cNvPr id="71" name="Freeform 71"/>
+          <p:cNvSpPr/>
+          <p:nvPr/>
+        </p:nvSpPr>
+        <p:spPr>
+          <a:xfrm rot="10518575">
+            <a:off x="6443938" y="6464728"/>
+            <a:ext cx="918743" cy="671518"/>
+          </a:xfrm>
+          <a:custGeom>
+            <a:avLst/>
+            <a:gdLst/>
+            <a:ahLst/>
+            <a:cxnLst/>
+            <a:rect l="l" t="t" r="r" b="b"/>
+            <a:pathLst>
+              <a:path w="918743" h="671518">
+                <a:moveTo>
+                  <a:pt x="0" y="0"/>
+                </a:moveTo>
+                <a:lnTo>
+                  <a:pt x="918743" y="0"/>
+                </a:lnTo>
+                <a:lnTo>
+                  <a:pt x="918743" y="671517"/>
+                </a:lnTo>
+                <a:lnTo>
+                  <a:pt x="0" y="671517"/>
                 </a:lnTo>
                 <a:lnTo>
                   <a:pt x="0" y="0"/>
